--- a/doc/papers/SiliconPad/plots/BeamPhotoDiagram.pptx
+++ b/doc/papers/SiliconPad/plots/BeamPhotoDiagram.pptx
@@ -288,7 +288,7 @@
           <a:p>
             <a:fld id="{09360E44-D7FD-3247-845C-C98C642EEA92}" type="datetimeFigureOut">
               <a:rPr lang="en-US" smtClean="0"/>
-              <a:t>12/20/15</a:t>
+              <a:t>12/21/15</a:t>
             </a:fld>
             <a:endParaRPr lang="en-US"/>
           </a:p>
@@ -458,7 +458,7 @@
           <a:p>
             <a:fld id="{09360E44-D7FD-3247-845C-C98C642EEA92}" type="datetimeFigureOut">
               <a:rPr lang="en-US" smtClean="0"/>
-              <a:t>12/20/15</a:t>
+              <a:t>12/21/15</a:t>
             </a:fld>
             <a:endParaRPr lang="en-US"/>
           </a:p>
@@ -638,7 +638,7 @@
           <a:p>
             <a:fld id="{09360E44-D7FD-3247-845C-C98C642EEA92}" type="datetimeFigureOut">
               <a:rPr lang="en-US" smtClean="0"/>
-              <a:t>12/20/15</a:t>
+              <a:t>12/21/15</a:t>
             </a:fld>
             <a:endParaRPr lang="en-US"/>
           </a:p>
@@ -808,7 +808,7 @@
           <a:p>
             <a:fld id="{09360E44-D7FD-3247-845C-C98C642EEA92}" type="datetimeFigureOut">
               <a:rPr lang="en-US" smtClean="0"/>
-              <a:t>12/20/15</a:t>
+              <a:t>12/21/15</a:t>
             </a:fld>
             <a:endParaRPr lang="en-US"/>
           </a:p>
@@ -1054,7 +1054,7 @@
           <a:p>
             <a:fld id="{09360E44-D7FD-3247-845C-C98C642EEA92}" type="datetimeFigureOut">
               <a:rPr lang="en-US" smtClean="0"/>
-              <a:t>12/20/15</a:t>
+              <a:t>12/21/15</a:t>
             </a:fld>
             <a:endParaRPr lang="en-US"/>
           </a:p>
@@ -1342,7 +1342,7 @@
           <a:p>
             <a:fld id="{09360E44-D7FD-3247-845C-C98C642EEA92}" type="datetimeFigureOut">
               <a:rPr lang="en-US" smtClean="0"/>
-              <a:t>12/20/15</a:t>
+              <a:t>12/21/15</a:t>
             </a:fld>
             <a:endParaRPr lang="en-US"/>
           </a:p>
@@ -1769,7 +1769,7 @@
           <a:p>
             <a:fld id="{09360E44-D7FD-3247-845C-C98C642EEA92}" type="datetimeFigureOut">
               <a:rPr lang="en-US" smtClean="0"/>
-              <a:t>12/20/15</a:t>
+              <a:t>12/21/15</a:t>
             </a:fld>
             <a:endParaRPr lang="en-US"/>
           </a:p>
@@ -1887,7 +1887,7 @@
           <a:p>
             <a:fld id="{09360E44-D7FD-3247-845C-C98C642EEA92}" type="datetimeFigureOut">
               <a:rPr lang="en-US" smtClean="0"/>
-              <a:t>12/20/15</a:t>
+              <a:t>12/21/15</a:t>
             </a:fld>
             <a:endParaRPr lang="en-US"/>
           </a:p>
@@ -1982,7 +1982,7 @@
           <a:p>
             <a:fld id="{09360E44-D7FD-3247-845C-C98C642EEA92}" type="datetimeFigureOut">
               <a:rPr lang="en-US" smtClean="0"/>
-              <a:t>12/20/15</a:t>
+              <a:t>12/21/15</a:t>
             </a:fld>
             <a:endParaRPr lang="en-US"/>
           </a:p>
@@ -2259,7 +2259,7 @@
           <a:p>
             <a:fld id="{09360E44-D7FD-3247-845C-C98C642EEA92}" type="datetimeFigureOut">
               <a:rPr lang="en-US" smtClean="0"/>
-              <a:t>12/20/15</a:t>
+              <a:t>12/21/15</a:t>
             </a:fld>
             <a:endParaRPr lang="en-US"/>
           </a:p>
@@ -2512,7 +2512,7 @@
           <a:p>
             <a:fld id="{09360E44-D7FD-3247-845C-C98C642EEA92}" type="datetimeFigureOut">
               <a:rPr lang="en-US" smtClean="0"/>
-              <a:t>12/20/15</a:t>
+              <a:t>12/21/15</a:t>
             </a:fld>
             <a:endParaRPr lang="en-US"/>
           </a:p>
@@ -2725,7 +2725,7 @@
           <a:p>
             <a:fld id="{09360E44-D7FD-3247-845C-C98C642EEA92}" type="datetimeFigureOut">
               <a:rPr lang="en-US" smtClean="0"/>
-              <a:t>12/20/15</a:t>
+              <a:t>12/21/15</a:t>
             </a:fld>
             <a:endParaRPr lang="en-US"/>
           </a:p>
@@ -3102,13 +3102,13 @@
       </p:grpSpPr>
       <p:pic>
         <p:nvPicPr>
-          <p:cNvPr id="13" name="Picture 12" descr="SiliconPadTestBeam.png"/>
+          <p:cNvPr id="2" name="Picture 1" descr="IMG_0876.jpg"/>
           <p:cNvPicPr>
             <a:picLocks noChangeAspect="1"/>
           </p:cNvPicPr>
           <p:nvPr/>
         </p:nvPicPr>
-        <p:blipFill>
+        <p:blipFill rotWithShape="1">
           <a:blip r:embed="rId2">
             <a:extLst>
               <a:ext uri="{28A0092B-C50C-407E-A947-70E740481C1C}">
@@ -3116,14 +3116,13 @@
               </a:ext>
             </a:extLst>
           </a:blip>
-          <a:stretch>
-            <a:fillRect/>
-          </a:stretch>
+          <a:srcRect b="27518"/>
+          <a:stretch/>
         </p:blipFill>
         <p:spPr>
           <a:xfrm>
-            <a:off x="0" y="0"/>
-            <a:ext cx="6400800" cy="4210330"/>
+            <a:off x="1196885" y="0"/>
+            <a:ext cx="5203915" cy="5029197"/>
           </a:xfrm>
           <a:prstGeom prst="rect">
             <a:avLst/>
@@ -3182,7 +3181,7 @@
         </p:nvSpPr>
         <p:spPr>
           <a:xfrm>
-            <a:off x="4352185" y="891938"/>
+            <a:off x="-9695" y="-2309"/>
             <a:ext cx="2034978" cy="830997"/>
           </a:xfrm>
           <a:prstGeom prst="rect">
@@ -3226,8 +3225,8 @@
         </p:nvSpPr>
         <p:spPr>
           <a:xfrm>
-            <a:off x="0" y="3"/>
-            <a:ext cx="2034978" cy="830997"/>
+            <a:off x="4665483" y="1463924"/>
+            <a:ext cx="1735317" cy="830997"/>
           </a:xfrm>
           <a:prstGeom prst="rect">
             <a:avLst/>
@@ -3270,53 +3269,6 @@
           </a:p>
         </p:txBody>
       </p:sp>
-      <p:sp>
-        <p:nvSpPr>
-          <p:cNvPr id="18" name="TextBox 17"/>
-          <p:cNvSpPr txBox="1"/>
-          <p:nvPr/>
-        </p:nvSpPr>
-        <p:spPr>
-          <a:xfrm>
-            <a:off x="4199785" y="4210330"/>
-            <a:ext cx="2201335" cy="830997"/>
-          </a:xfrm>
-          <a:prstGeom prst="rect">
-            <a:avLst/>
-          </a:prstGeom>
-          <a:solidFill>
-            <a:srgbClr val="262DF9"/>
-          </a:solidFill>
-          <a:ln w="25400">
-            <a:noFill/>
-          </a:ln>
-        </p:spPr>
-        <p:txBody>
-          <a:bodyPr wrap="square" rtlCol="0">
-            <a:spAutoFit/>
-          </a:bodyPr>
-          <a:lstStyle/>
-          <a:p>
-            <a:pPr algn="ctr"/>
-            <a:endParaRPr lang="en-US" sz="2400" b="1" dirty="0" smtClean="0">
-              <a:solidFill>
-                <a:schemeClr val="bg1"/>
-              </a:solidFill>
-            </a:endParaRPr>
-          </a:p>
-          <a:p>
-            <a:pPr algn="ctr"/>
-            <a:r>
-              <a:rPr lang="en-US" sz="2400" b="1" dirty="0" smtClean="0">
-                <a:solidFill>
-                  <a:schemeClr val="bg1"/>
-                </a:solidFill>
-              </a:rPr>
-              <a:t>Beam Direction</a:t>
-            </a:r>
-          </a:p>
-        </p:txBody>
-      </p:sp>
       <p:cxnSp>
         <p:nvCxnSpPr>
           <p:cNvPr id="19" name="Straight Arrow Connector 18"/>
@@ -3325,8 +3277,8 @@
         </p:nvCxnSpPr>
         <p:spPr>
           <a:xfrm flipV="1">
-            <a:off x="1577085" y="3544953"/>
-            <a:ext cx="2775100" cy="657726"/>
+            <a:off x="2025283" y="1822632"/>
+            <a:ext cx="1484129" cy="2380046"/>
           </a:xfrm>
           <a:prstGeom prst="straightConnector1">
             <a:avLst/>
@@ -3357,13 +3309,15 @@
       <p:cxnSp>
         <p:nvCxnSpPr>
           <p:cNvPr id="20" name="Straight Arrow Connector 19"/>
-          <p:cNvCxnSpPr/>
+          <p:cNvCxnSpPr>
+            <a:stCxn id="16" idx="2"/>
+          </p:cNvCxnSpPr>
           <p:nvPr/>
         </p:nvCxnSpPr>
         <p:spPr>
-          <a:xfrm>
-            <a:off x="1577089" y="830997"/>
-            <a:ext cx="1925997" cy="891938"/>
+          <a:xfrm flipH="1">
+            <a:off x="4207417" y="2294921"/>
+            <a:ext cx="1325725" cy="1592711"/>
           </a:xfrm>
           <a:prstGeom prst="straightConnector1">
             <a:avLst/>
@@ -3394,15 +3348,13 @@
       <p:cxnSp>
         <p:nvCxnSpPr>
           <p:cNvPr id="21" name="Straight Arrow Connector 20"/>
-          <p:cNvCxnSpPr>
-            <a:stCxn id="15" idx="2"/>
-          </p:cNvCxnSpPr>
+          <p:cNvCxnSpPr/>
           <p:nvPr/>
         </p:nvCxnSpPr>
         <p:spPr>
-          <a:xfrm flipH="1">
-            <a:off x="4912688" y="1722935"/>
-            <a:ext cx="456986" cy="1822018"/>
+          <a:xfrm>
+            <a:off x="2025283" y="828688"/>
+            <a:ext cx="1484129" cy="635236"/>
           </a:xfrm>
           <a:prstGeom prst="straightConnector1">
             <a:avLst/>
@@ -3437,9 +3389,9 @@
           <p:nvPr/>
         </p:nvCxnSpPr>
         <p:spPr>
-          <a:xfrm flipH="1" flipV="1">
-            <a:off x="2777345" y="2"/>
-            <a:ext cx="2488911" cy="4630967"/>
+          <a:xfrm>
+            <a:off x="3895793" y="0"/>
+            <a:ext cx="0" cy="1328194"/>
           </a:xfrm>
           <a:prstGeom prst="straightConnector1">
             <a:avLst/>
@@ -3467,6 +3419,50 @@
           </a:fontRef>
         </p:style>
       </p:cxnSp>
+      <p:sp>
+        <p:nvSpPr>
+          <p:cNvPr id="18" name="TextBox 17"/>
+          <p:cNvSpPr txBox="1"/>
+          <p:nvPr/>
+        </p:nvSpPr>
+        <p:spPr>
+          <a:xfrm>
+            <a:off x="2856749" y="0"/>
+            <a:ext cx="2213480" cy="461665"/>
+          </a:xfrm>
+          <a:prstGeom prst="rect">
+            <a:avLst/>
+          </a:prstGeom>
+          <a:solidFill>
+            <a:srgbClr val="262DF9"/>
+          </a:solidFill>
+          <a:ln w="25400">
+            <a:noFill/>
+          </a:ln>
+        </p:spPr>
+        <p:txBody>
+          <a:bodyPr wrap="square" rtlCol="0">
+            <a:spAutoFit/>
+          </a:bodyPr>
+          <a:lstStyle/>
+          <a:p>
+            <a:pPr algn="ctr"/>
+            <a:r>
+              <a:rPr lang="en-US" sz="2400" b="1" dirty="0" smtClean="0">
+                <a:solidFill>
+                  <a:schemeClr val="bg1"/>
+                </a:solidFill>
+              </a:rPr>
+              <a:t>Beam Direction</a:t>
+            </a:r>
+            <a:endParaRPr lang="en-US" sz="2400" b="1" dirty="0" smtClean="0">
+              <a:solidFill>
+                <a:schemeClr val="bg1"/>
+              </a:solidFill>
+            </a:endParaRPr>
+          </a:p>
+        </p:txBody>
+      </p:sp>
     </p:spTree>
     <p:extLst>
       <p:ext uri="{BB962C8B-B14F-4D97-AF65-F5344CB8AC3E}">
